--- a/2023-06 Maui con RxUI, Refit y Akavache/Presentación.pptx
+++ b/2023-06 Maui con RxUI, Refit y Akavache/Presentación.pptx
@@ -5,7 +5,7 @@
     <p:sldMasterId id="2147483895" r:id="rId1"/>
   </p:sldMasterIdLst>
   <p:notesMasterIdLst>
-    <p:notesMasterId r:id="rId18"/>
+    <p:notesMasterId r:id="rId19"/>
   </p:notesMasterIdLst>
   <p:sldIdLst>
     <p:sldId id="256" r:id="rId2"/>
@@ -24,6 +24,7 @@
     <p:sldId id="1871" r:id="rId15"/>
     <p:sldId id="1875" r:id="rId16"/>
     <p:sldId id="353" r:id="rId17"/>
+    <p:sldId id="2147469532" r:id="rId18"/>
   </p:sldIdLst>
   <p:sldSz cx="12192000" cy="6858000"/>
   <p:notesSz cx="6858000" cy="9144000"/>
@@ -153,6 +154,11 @@
             <p14:sldId id="353"/>
           </p14:sldIdLst>
         </p14:section>
+        <p14:section name="Fin" id="{6B5EDCD6-55DC-49A5-8E57-A3205B2266AF}">
+          <p14:sldIdLst>
+            <p14:sldId id="2147469532"/>
+          </p14:sldIdLst>
+        </p14:section>
       </p14:sectionLst>
     </p:ext>
     <p:ext uri="{EFAFB233-063F-42B5-8137-9DF3F51BA10A}">
@@ -633,7 +639,7 @@
           <a:p>
             <a:fld id="{72E0C910-0166-48E0-B8EF-5071277A02A8}" type="datetime8">
               <a:rPr lang="en-US" smtClean="0"/>
-              <a:t>6/8/2023 12:53 PM</a:t>
+              <a:t>6/8/2023 1:17 PM</a:t>
             </a:fld>
             <a:endParaRPr lang="en-US" dirty="0"/>
           </a:p>
@@ -6664,6 +6670,246 @@
     <p:extLst>
       <p:ext uri="{BB962C8B-B14F-4D97-AF65-F5344CB8AC3E}">
         <p14:creationId xmlns:p14="http://schemas.microsoft.com/office/powerpoint/2010/main" val="1915521371"/>
+      </p:ext>
+    </p:extLst>
+  </p:cSld>
+  <p:clrMapOvr>
+    <a:masterClrMapping/>
+  </p:clrMapOvr>
+</p:sld>
+</file>
+
+<file path=ppt/slides/slide17.xml><?xml version="1.0" encoding="utf-8"?>
+<p:sld xmlns:a="http://schemas.openxmlformats.org/drawingml/2006/main" xmlns:r="http://schemas.openxmlformats.org/officeDocument/2006/relationships" xmlns:p="http://schemas.openxmlformats.org/presentationml/2006/main">
+  <p:cSld>
+    <p:spTree>
+      <p:nvGrpSpPr>
+        <p:cNvPr id="1" name=""/>
+        <p:cNvGrpSpPr/>
+        <p:nvPr/>
+      </p:nvGrpSpPr>
+      <p:grpSpPr>
+        <a:xfrm>
+          <a:off x="0" y="0"/>
+          <a:ext cx="0" cy="0"/>
+          <a:chOff x="0" y="0"/>
+          <a:chExt cx="0" cy="0"/>
+        </a:xfrm>
+      </p:grpSpPr>
+      <p:sp>
+        <p:nvSpPr>
+          <p:cNvPr id="2" name="Título 1">
+            <a:extLst>
+              <a:ext uri="{FF2B5EF4-FFF2-40B4-BE49-F238E27FC236}">
+                <a16:creationId xmlns:a16="http://schemas.microsoft.com/office/drawing/2014/main" id="{803E163C-0355-B6CA-3913-923A8156A66D}"/>
+              </a:ext>
+            </a:extLst>
+          </p:cNvPr>
+          <p:cNvSpPr>
+            <a:spLocks noGrp="1"/>
+          </p:cNvSpPr>
+          <p:nvPr>
+            <p:ph type="title"/>
+          </p:nvPr>
+        </p:nvSpPr>
+        <p:spPr/>
+        <p:txBody>
+          <a:bodyPr/>
+          <a:lstStyle/>
+          <a:p>
+            <a:r>
+              <a:rPr lang="es-ES" dirty="0"/>
+              <a:t>¡Gracias!</a:t>
+            </a:r>
+          </a:p>
+        </p:txBody>
+      </p:sp>
+      <p:sp>
+        <p:nvSpPr>
+          <p:cNvPr id="3" name="Marcador de contenido 2">
+            <a:extLst>
+              <a:ext uri="{FF2B5EF4-FFF2-40B4-BE49-F238E27FC236}">
+                <a16:creationId xmlns:a16="http://schemas.microsoft.com/office/drawing/2014/main" id="{B25BF124-AD4F-891A-0452-7A6116CE937D}"/>
+              </a:ext>
+            </a:extLst>
+          </p:cNvPr>
+          <p:cNvSpPr>
+            <a:spLocks noGrp="1"/>
+          </p:cNvSpPr>
+          <p:nvPr>
+            <p:ph idx="1"/>
+          </p:nvPr>
+        </p:nvSpPr>
+        <p:spPr/>
+        <p:txBody>
+          <a:bodyPr>
+            <a:normAutofit fontScale="62500" lnSpcReduction="20000"/>
+          </a:bodyPr>
+          <a:lstStyle/>
+          <a:p>
+            <a:pPr marL="180000" indent="-180000" defTabSz="540000">
+              <a:lnSpc>
+                <a:spcPct val="100000"/>
+              </a:lnSpc>
+              <a:spcAft>
+                <a:spcPts val="600"/>
+              </a:spcAft>
+            </a:pPr>
+            <a:r>
+              <a:rPr lang="es-ES" dirty="0"/>
+              <a:t>Twitter</a:t>
+            </a:r>
+          </a:p>
+          <a:p>
+            <a:pPr marL="360000" lvl="1" indent="-180000" defTabSz="540000">
+              <a:lnSpc>
+                <a:spcPct val="100000"/>
+              </a:lnSpc>
+              <a:spcAft>
+                <a:spcPts val="600"/>
+              </a:spcAft>
+            </a:pPr>
+            <a:r>
+              <a:rPr lang="es-ES" dirty="0"/>
+              <a:t>@marcoablanco</a:t>
+            </a:r>
+          </a:p>
+          <a:p>
+            <a:pPr marL="360000" lvl="1" indent="-180000" defTabSz="540000">
+              <a:lnSpc>
+                <a:spcPct val="100000"/>
+              </a:lnSpc>
+              <a:spcAft>
+                <a:spcPts val="600"/>
+              </a:spcAft>
+            </a:pPr>
+            <a:r>
+              <a:rPr lang="es-ES" dirty="0"/>
+              <a:t>@dotnetmalaga</a:t>
+            </a:r>
+          </a:p>
+          <a:p>
+            <a:pPr marL="360000" lvl="1" indent="-180000" defTabSz="540000">
+              <a:lnSpc>
+                <a:spcPct val="100000"/>
+              </a:lnSpc>
+              <a:spcAft>
+                <a:spcPts val="600"/>
+              </a:spcAft>
+            </a:pPr>
+            <a:r>
+              <a:rPr lang="es-ES" dirty="0"/>
+              <a:t>@Opensouthcode</a:t>
+            </a:r>
+          </a:p>
+          <a:p>
+            <a:pPr marL="180000" indent="-180000" defTabSz="540000">
+              <a:lnSpc>
+                <a:spcPct val="100000"/>
+              </a:lnSpc>
+              <a:spcAft>
+                <a:spcPts val="600"/>
+              </a:spcAft>
+            </a:pPr>
+            <a:r>
+              <a:rPr lang="es-ES" dirty="0"/>
+              <a:t>Mastodon</a:t>
+            </a:r>
+          </a:p>
+          <a:p>
+            <a:pPr marL="360000" lvl="1" indent="-180000" defTabSz="540000">
+              <a:lnSpc>
+                <a:spcPct val="100000"/>
+              </a:lnSpc>
+              <a:spcAft>
+                <a:spcPts val="600"/>
+              </a:spcAft>
+            </a:pPr>
+            <a:r>
+              <a:rPr lang="es-ES" dirty="0"/>
+              <a:t>@marcoablanco@xarxa.cloud</a:t>
+            </a:r>
+          </a:p>
+          <a:p>
+            <a:pPr marL="180000" indent="-180000" defTabSz="540000">
+              <a:lnSpc>
+                <a:spcPct val="100000"/>
+              </a:lnSpc>
+              <a:spcAft>
+                <a:spcPts val="600"/>
+              </a:spcAft>
+            </a:pPr>
+            <a:r>
+              <a:rPr lang="es-ES" dirty="0"/>
+              <a:t>Web</a:t>
+            </a:r>
+          </a:p>
+          <a:p>
+            <a:pPr marL="360000" lvl="1" indent="-180000" defTabSz="540000">
+              <a:lnSpc>
+                <a:spcPct val="100000"/>
+              </a:lnSpc>
+              <a:spcAft>
+                <a:spcPts val="600"/>
+              </a:spcAft>
+            </a:pPr>
+            <a:r>
+              <a:rPr lang="es-ES" dirty="0">
+                <a:hlinkClick r:id="rId2"/>
+              </a:rPr>
+              <a:t>www.notodoesprogramacion.es</a:t>
+            </a:r>
+            <a:endParaRPr lang="es-ES" dirty="0"/>
+          </a:p>
+          <a:p>
+            <a:pPr marL="360000" lvl="1" indent="-180000" defTabSz="540000">
+              <a:lnSpc>
+                <a:spcPct val="100000"/>
+              </a:lnSpc>
+              <a:spcAft>
+                <a:spcPts val="600"/>
+              </a:spcAft>
+            </a:pPr>
+            <a:r>
+              <a:rPr lang="es-ES" dirty="0">
+                <a:hlinkClick r:id="rId3"/>
+              </a:rPr>
+              <a:t>dotnetmalaga.es</a:t>
+            </a:r>
+            <a:r>
+              <a:rPr lang="es-ES" dirty="0"/>
+              <a:t> </a:t>
+            </a:r>
+          </a:p>
+          <a:p>
+            <a:pPr marL="360000" lvl="1" indent="-180000" defTabSz="540000">
+              <a:lnSpc>
+                <a:spcPct val="100000"/>
+              </a:lnSpc>
+              <a:spcAft>
+                <a:spcPts val="600"/>
+              </a:spcAft>
+            </a:pPr>
+            <a:r>
+              <a:rPr lang="es-ES" dirty="0">
+                <a:hlinkClick r:id="rId4"/>
+              </a:rPr>
+              <a:t>github.com/marcoablanco/Events</a:t>
+            </a:r>
+            <a:r>
+              <a:rPr lang="es-ES" dirty="0"/>
+              <a:t> </a:t>
+            </a:r>
+          </a:p>
+          <a:p>
+            <a:endParaRPr lang="es-ES" dirty="0"/>
+          </a:p>
+        </p:txBody>
+      </p:sp>
+    </p:spTree>
+    <p:extLst>
+      <p:ext uri="{BB962C8B-B14F-4D97-AF65-F5344CB8AC3E}">
+        <p14:creationId xmlns:p14="http://schemas.microsoft.com/office/powerpoint/2010/main" val="4149950149"/>
       </p:ext>
     </p:extLst>
   </p:cSld>

--- a/2023-06 Maui con RxUI, Refit y Akavache/Presentación.pptx
+++ b/2023-06 Maui con RxUI, Refit y Akavache/Presentación.pptx
@@ -250,7 +250,7 @@
           <a:p>
             <a:fld id="{B8CCA8DF-B09A-4244-AA54-3750A140F13B}" type="datetimeFigureOut">
               <a:rPr lang="es-ES" smtClean="0"/>
-              <a:t>08/06/2023</a:t>
+              <a:t>09/06/2023</a:t>
             </a:fld>
             <a:endParaRPr lang="es-ES"/>
           </a:p>
@@ -639,7 +639,7 @@
           <a:p>
             <a:fld id="{72E0C910-0166-48E0-B8EF-5071277A02A8}" type="datetime8">
               <a:rPr lang="en-US" smtClean="0"/>
-              <a:t>6/8/2023 1:17 PM</a:t>
+              <a:t>6/9/2023 11:09 AM</a:t>
             </a:fld>
             <a:endParaRPr lang="en-US" dirty="0"/>
           </a:p>
@@ -1233,7 +1233,7 @@
           <a:p>
             <a:fld id="{560CCAF8-A024-48A6-B143-E9187CDA2908}" type="datetimeFigureOut">
               <a:rPr lang="es-ES" smtClean="0"/>
-              <a:t>08/06/2023</a:t>
+              <a:t>09/06/2023</a:t>
             </a:fld>
             <a:endParaRPr lang="es-ES"/>
           </a:p>
@@ -1423,7 +1423,7 @@
           <a:p>
             <a:fld id="{560CCAF8-A024-48A6-B143-E9187CDA2908}" type="datetimeFigureOut">
               <a:rPr lang="es-ES" smtClean="0"/>
-              <a:t>08/06/2023</a:t>
+              <a:t>09/06/2023</a:t>
             </a:fld>
             <a:endParaRPr lang="es-ES"/>
           </a:p>
@@ -1603,7 +1603,7 @@
           <a:p>
             <a:fld id="{560CCAF8-A024-48A6-B143-E9187CDA2908}" type="datetimeFigureOut">
               <a:rPr lang="es-ES" smtClean="0"/>
-              <a:t>08/06/2023</a:t>
+              <a:t>09/06/2023</a:t>
             </a:fld>
             <a:endParaRPr lang="es-ES"/>
           </a:p>
@@ -1965,7 +1965,7 @@
           <a:p>
             <a:fld id="{560CCAF8-A024-48A6-B143-E9187CDA2908}" type="datetimeFigureOut">
               <a:rPr lang="es-ES" smtClean="0"/>
-              <a:t>08/06/2023</a:t>
+              <a:t>09/06/2023</a:t>
             </a:fld>
             <a:endParaRPr lang="es-ES"/>
           </a:p>
@@ -2221,7 +2221,7 @@
           <a:p>
             <a:fld id="{560CCAF8-A024-48A6-B143-E9187CDA2908}" type="datetimeFigureOut">
               <a:rPr lang="es-ES" smtClean="0"/>
-              <a:t>08/06/2023</a:t>
+              <a:t>09/06/2023</a:t>
             </a:fld>
             <a:endParaRPr lang="es-ES"/>
           </a:p>
@@ -2509,7 +2509,7 @@
           <a:p>
             <a:fld id="{560CCAF8-A024-48A6-B143-E9187CDA2908}" type="datetimeFigureOut">
               <a:rPr lang="es-ES" smtClean="0"/>
-              <a:t>08/06/2023</a:t>
+              <a:t>09/06/2023</a:t>
             </a:fld>
             <a:endParaRPr lang="es-ES"/>
           </a:p>
@@ -2947,7 +2947,7 @@
           <a:p>
             <a:fld id="{560CCAF8-A024-48A6-B143-E9187CDA2908}" type="datetimeFigureOut">
               <a:rPr lang="es-ES" smtClean="0"/>
-              <a:t>08/06/2023</a:t>
+              <a:t>09/06/2023</a:t>
             </a:fld>
             <a:endParaRPr lang="es-ES"/>
           </a:p>
@@ -3065,7 +3065,7 @@
           <a:p>
             <a:fld id="{560CCAF8-A024-48A6-B143-E9187CDA2908}" type="datetimeFigureOut">
               <a:rPr lang="es-ES" smtClean="0"/>
-              <a:t>08/06/2023</a:t>
+              <a:t>09/06/2023</a:t>
             </a:fld>
             <a:endParaRPr lang="es-ES"/>
           </a:p>
@@ -3160,7 +3160,7 @@
           <a:p>
             <a:fld id="{560CCAF8-A024-48A6-B143-E9187CDA2908}" type="datetimeFigureOut">
               <a:rPr lang="es-ES" smtClean="0"/>
-              <a:t>08/06/2023</a:t>
+              <a:t>09/06/2023</a:t>
             </a:fld>
             <a:endParaRPr lang="es-ES"/>
           </a:p>
@@ -3516,7 +3516,7 @@
           <a:p>
             <a:fld id="{560CCAF8-A024-48A6-B143-E9187CDA2908}" type="datetimeFigureOut">
               <a:rPr lang="es-ES" smtClean="0"/>
-              <a:t>08/06/2023</a:t>
+              <a:t>09/06/2023</a:t>
             </a:fld>
             <a:endParaRPr lang="es-ES"/>
           </a:p>
@@ -3832,7 +3832,7 @@
           <a:p>
             <a:fld id="{560CCAF8-A024-48A6-B143-E9187CDA2908}" type="datetimeFigureOut">
               <a:rPr lang="es-ES" smtClean="0"/>
-              <a:t>08/06/2023</a:t>
+              <a:t>09/06/2023</a:t>
             </a:fld>
             <a:endParaRPr lang="es-ES"/>
           </a:p>
@@ -4065,7 +4065,7 @@
           <a:p>
             <a:fld id="{560CCAF8-A024-48A6-B143-E9187CDA2908}" type="datetimeFigureOut">
               <a:rPr lang="es-ES" smtClean="0"/>
-              <a:t>08/06/2023</a:t>
+              <a:t>09/06/2023</a:t>
             </a:fld>
             <a:endParaRPr lang="es-ES"/>
           </a:p>
@@ -7342,7 +7342,7 @@
           <a:p>
             <a:r>
               <a:rPr lang="es-ES" dirty="0"/>
-              <a:t>Entorno DotNet</a:t>
+              <a:t>Realizar aplicaciones sin salir del entorno DotNet</a:t>
             </a:r>
           </a:p>
           <a:p>
